--- a/Project_progress_Agenda_Randa_edition.pptx
+++ b/Project_progress_Agenda_Randa_edition.pptx
@@ -14039,7 +14039,7 @@
         <p:spPr>
           <a:xfrm>
             <a:off x="323481" y="1904016"/>
-            <a:ext cx="11545037" cy="4170372"/>
+            <a:ext cx="11545037" cy="4370427"/>
           </a:xfrm>
           <a:prstGeom prst="rect">
             <a:avLst/>
@@ -14057,7 +14057,7 @@
               <a:buChar char="•"/>
             </a:pPr>
             <a:r>
-              <a:rPr lang="en-US" sz="1900" dirty="0"/>
+              <a:rPr lang="en-US" sz="2000" dirty="0"/>
               <a:t>Due to the poor features of Hardware Description Languages (HDLs) available back then, Verilog and VHDL, in terms of verification and software, the development of these generators have been categorized as a software problem. </a:t>
             </a:r>
           </a:p>
@@ -14067,7 +14067,7 @@
               <a:buChar char="•"/>
             </a:pPr>
             <a:r>
-              <a:rPr lang="en-US" sz="1900" dirty="0"/>
+              <a:rPr lang="en-US" sz="2000" dirty="0"/>
               <a:t>However, recent efforts have been exerted towards the utilization of System Verilog features as a Hardware Verification Language (HVL) to improve stimulus generation quality. </a:t>
             </a:r>
           </a:p>
@@ -14077,7 +14077,7 @@
               <a:buChar char="•"/>
             </a:pPr>
             <a:r>
-              <a:rPr lang="en-US" sz="1900" dirty="0"/>
+              <a:rPr lang="en-US" sz="2000" dirty="0"/>
               <a:t>The Universal Verification Methodology (UVM) gradually dominates the verification world, as it covers these needs. </a:t>
             </a:r>
           </a:p>
@@ -14087,7 +14087,7 @@
               <a:buChar char="•"/>
             </a:pPr>
             <a:r>
-              <a:rPr lang="en-US" sz="1900" dirty="0"/>
+              <a:rPr lang="en-US" sz="2000" dirty="0"/>
               <a:t>UVM is a powerful verification methodology that was designed to be able to verify a wide range of design sizes and design types. </a:t>
             </a:r>
           </a:p>
@@ -14097,15 +14097,15 @@
               <a:buChar char="•"/>
             </a:pPr>
             <a:r>
-              <a:rPr lang="en-US" sz="1900" dirty="0"/>
+              <a:rPr lang="en-US" sz="2000" dirty="0"/>
               <a:t>UVM is derived mainly from the OVM (Open Verification Methodology) and the (VMM) Verification Methodology Manual. It is an open source </a:t>
             </a:r>
             <a:r>
-              <a:rPr lang="en-US" sz="1900" dirty="0" err="1"/>
+              <a:rPr lang="en-US" sz="2000" dirty="0" err="1"/>
               <a:t>SystemVerilog</a:t>
             </a:r>
             <a:r>
-              <a:rPr lang="en-US" sz="1900" dirty="0"/>
+              <a:rPr lang="en-US" sz="2000" dirty="0"/>
               <a:t> library allowing creation of flexible, reusable verification components and assembling powerful test environments utilizing constrained random stimulus generation and functional coverage methodologies.</a:t>
             </a:r>
           </a:p>
@@ -14476,33 +14476,36 @@
             </a:lvl9pPr>
           </a:lstStyle>
           <a:p>
-            <a:r>
-              <a:rPr lang="en-US" sz="2000" dirty="0">
+            <a:pPr marL="0" indent="0">
+              <a:buNone/>
+            </a:pPr>
+            <a:r>
+              <a:rPr lang="en-US" sz="2400" dirty="0">
                 <a:latin typeface="Arial" panose="020B0604020202020204" pitchFamily="34" charset="0"/>
                 <a:cs typeface="Arial" panose="020B0604020202020204" pitchFamily="34" charset="0"/>
               </a:rPr>
               <a:t>Due to the long time spent by the verification engineers to verify the functionality of any design using ordinary verification plans consumes, and due to </a:t>
             </a:r>
             <a:r>
-              <a:rPr lang="en-US" sz="2000" dirty="0"/>
+              <a:rPr lang="en-US" sz="2400" dirty="0"/>
               <a:t>the huge functional space and the design complexity of a processor.</a:t>
             </a:r>
             <a:r>
-              <a:rPr lang="en-US" sz="2000" dirty="0">
+              <a:rPr lang="en-US" sz="2400" dirty="0">
                 <a:latin typeface="Arial" panose="020B0604020202020204" pitchFamily="34" charset="0"/>
                 <a:cs typeface="Arial" panose="020B0604020202020204" pitchFamily="34" charset="0"/>
               </a:rPr>
               <a:t>  Even after using OVM and UVM with the verification process nowadays, we still need something as </a:t>
             </a:r>
             <a:r>
-              <a:rPr lang="en-US" sz="2000" b="1" i="1" dirty="0">
+              <a:rPr lang="en-US" sz="2400" b="1" i="1" dirty="0">
                 <a:latin typeface="Arial" panose="020B0604020202020204" pitchFamily="34" charset="0"/>
                 <a:cs typeface="Arial" panose="020B0604020202020204" pitchFamily="34" charset="0"/>
               </a:rPr>
               <a:t>generic</a:t>
             </a:r>
             <a:r>
-              <a:rPr lang="en-US" sz="2000" dirty="0">
+              <a:rPr lang="en-US" sz="2400" dirty="0">
                 <a:latin typeface="Arial" panose="020B0604020202020204" pitchFamily="34" charset="0"/>
                 <a:cs typeface="Arial" panose="020B0604020202020204" pitchFamily="34" charset="0"/>
               </a:rPr>
@@ -14846,6 +14849,9 @@
             </a:lvl9pPr>
           </a:lstStyle>
           <a:p>
+            <a:pPr marL="0" indent="0">
+              <a:buNone/>
+            </a:pPr>
             <a:r>
               <a:rPr lang="en-US" sz="2400" dirty="0">
                 <a:latin typeface="Arial" panose="020B0604020202020204" pitchFamily="34" charset="0"/>
